--- a/SE_new.pptx
+++ b/SE_new.pptx
@@ -8,18 +8,12 @@
     <p:sldId id="256" r:id="rId2"/>
     <p:sldId id="258" r:id="rId3"/>
     <p:sldId id="257" r:id="rId4"/>
-    <p:sldId id="261" r:id="rId5"/>
-    <p:sldId id="262" r:id="rId6"/>
-    <p:sldId id="263" r:id="rId7"/>
-    <p:sldId id="259" r:id="rId8"/>
-    <p:sldId id="260" r:id="rId9"/>
-    <p:sldId id="264" r:id="rId10"/>
-    <p:sldId id="265" r:id="rId11"/>
-    <p:sldId id="266" r:id="rId12"/>
-    <p:sldId id="267" r:id="rId13"/>
-    <p:sldId id="268" r:id="rId14"/>
-    <p:sldId id="269" r:id="rId15"/>
-    <p:sldId id="270" r:id="rId16"/>
+    <p:sldId id="265" r:id="rId5"/>
+    <p:sldId id="266" r:id="rId6"/>
+    <p:sldId id="267" r:id="rId7"/>
+    <p:sldId id="268" r:id="rId8"/>
+    <p:sldId id="269" r:id="rId9"/>
+    <p:sldId id="270" r:id="rId10"/>
   </p:sldIdLst>
   <p:sldSz cx="12192000" cy="6858000"/>
   <p:notesSz cx="6858000" cy="9144000"/>
@@ -848,7 +842,7 @@
           <a:p>
             <a:fld id="{71CB103D-D639-4698-B460-54B6B625CA0A}" type="datetimeFigureOut">
               <a:rPr lang="en-IN" smtClean="0"/>
-              <a:t>17-08-2025</a:t>
+              <a:t>18-08-2025</a:t>
             </a:fld>
             <a:endParaRPr lang="en-IN"/>
           </a:p>
@@ -1099,7 +1093,7 @@
           <a:p>
             <a:fld id="{71CB103D-D639-4698-B460-54B6B625CA0A}" type="datetimeFigureOut">
               <a:rPr lang="en-IN" smtClean="0"/>
-              <a:t>17-08-2025</a:t>
+              <a:t>18-08-2025</a:t>
             </a:fld>
             <a:endParaRPr lang="en-IN"/>
           </a:p>
@@ -1413,7 +1407,7 @@
           <a:p>
             <a:fld id="{71CB103D-D639-4698-B460-54B6B625CA0A}" type="datetimeFigureOut">
               <a:rPr lang="en-IN" smtClean="0"/>
-              <a:t>17-08-2025</a:t>
+              <a:t>18-08-2025</a:t>
             </a:fld>
             <a:endParaRPr lang="en-IN"/>
           </a:p>
@@ -1754,7 +1748,7 @@
           <a:p>
             <a:fld id="{71CB103D-D639-4698-B460-54B6B625CA0A}" type="datetimeFigureOut">
               <a:rPr lang="en-IN" smtClean="0"/>
-              <a:t>17-08-2025</a:t>
+              <a:t>18-08-2025</a:t>
             </a:fld>
             <a:endParaRPr lang="en-IN"/>
           </a:p>
@@ -2068,7 +2062,7 @@
           <a:p>
             <a:fld id="{71CB103D-D639-4698-B460-54B6B625CA0A}" type="datetimeFigureOut">
               <a:rPr lang="en-IN" smtClean="0"/>
-              <a:t>17-08-2025</a:t>
+              <a:t>18-08-2025</a:t>
             </a:fld>
             <a:endParaRPr lang="en-IN"/>
           </a:p>
@@ -2461,7 +2455,7 @@
           <a:p>
             <a:fld id="{71CB103D-D639-4698-B460-54B6B625CA0A}" type="datetimeFigureOut">
               <a:rPr lang="en-IN" smtClean="0"/>
-              <a:t>17-08-2025</a:t>
+              <a:t>18-08-2025</a:t>
             </a:fld>
             <a:endParaRPr lang="en-IN"/>
           </a:p>
@@ -2631,7 +2625,7 @@
           <a:p>
             <a:fld id="{71CB103D-D639-4698-B460-54B6B625CA0A}" type="datetimeFigureOut">
               <a:rPr lang="en-IN" smtClean="0"/>
-              <a:t>17-08-2025</a:t>
+              <a:t>18-08-2025</a:t>
             </a:fld>
             <a:endParaRPr lang="en-IN"/>
           </a:p>
@@ -2811,7 +2805,7 @@
           <a:p>
             <a:fld id="{71CB103D-D639-4698-B460-54B6B625CA0A}" type="datetimeFigureOut">
               <a:rPr lang="en-IN" smtClean="0"/>
-              <a:t>17-08-2025</a:t>
+              <a:t>18-08-2025</a:t>
             </a:fld>
             <a:endParaRPr lang="en-IN"/>
           </a:p>
@@ -2987,7 +2981,7 @@
           <a:p>
             <a:fld id="{71CB103D-D639-4698-B460-54B6B625CA0A}" type="datetimeFigureOut">
               <a:rPr lang="en-IN" smtClean="0"/>
-              <a:t>17-08-2025</a:t>
+              <a:t>18-08-2025</a:t>
             </a:fld>
             <a:endParaRPr lang="en-IN"/>
           </a:p>
@@ -3234,7 +3228,7 @@
           <a:p>
             <a:fld id="{71CB103D-D639-4698-B460-54B6B625CA0A}" type="datetimeFigureOut">
               <a:rPr lang="en-IN" smtClean="0"/>
-              <a:t>17-08-2025</a:t>
+              <a:t>18-08-2025</a:t>
             </a:fld>
             <a:endParaRPr lang="en-IN"/>
           </a:p>
@@ -3466,7 +3460,7 @@
           <a:p>
             <a:fld id="{71CB103D-D639-4698-B460-54B6B625CA0A}" type="datetimeFigureOut">
               <a:rPr lang="en-IN" smtClean="0"/>
-              <a:t>17-08-2025</a:t>
+              <a:t>18-08-2025</a:t>
             </a:fld>
             <a:endParaRPr lang="en-IN"/>
           </a:p>
@@ -3840,7 +3834,7 @@
           <a:p>
             <a:fld id="{71CB103D-D639-4698-B460-54B6B625CA0A}" type="datetimeFigureOut">
               <a:rPr lang="en-IN" smtClean="0"/>
-              <a:t>17-08-2025</a:t>
+              <a:t>18-08-2025</a:t>
             </a:fld>
             <a:endParaRPr lang="en-IN"/>
           </a:p>
@@ -3963,7 +3957,7 @@
           <a:p>
             <a:fld id="{71CB103D-D639-4698-B460-54B6B625CA0A}" type="datetimeFigureOut">
               <a:rPr lang="en-IN" smtClean="0"/>
-              <a:t>17-08-2025</a:t>
+              <a:t>18-08-2025</a:t>
             </a:fld>
             <a:endParaRPr lang="en-IN"/>
           </a:p>
@@ -4058,7 +4052,7 @@
           <a:p>
             <a:fld id="{71CB103D-D639-4698-B460-54B6B625CA0A}" type="datetimeFigureOut">
               <a:rPr lang="en-IN" smtClean="0"/>
-              <a:t>17-08-2025</a:t>
+              <a:t>18-08-2025</a:t>
             </a:fld>
             <a:endParaRPr lang="en-IN"/>
           </a:p>
@@ -4313,7 +4307,7 @@
           <a:p>
             <a:fld id="{71CB103D-D639-4698-B460-54B6B625CA0A}" type="datetimeFigureOut">
               <a:rPr lang="en-IN" smtClean="0"/>
-              <a:t>17-08-2025</a:t>
+              <a:t>18-08-2025</a:t>
             </a:fld>
             <a:endParaRPr lang="en-IN"/>
           </a:p>
@@ -4576,7 +4570,7 @@
           <a:p>
             <a:fld id="{71CB103D-D639-4698-B460-54B6B625CA0A}" type="datetimeFigureOut">
               <a:rPr lang="en-IN" smtClean="0"/>
-              <a:t>17-08-2025</a:t>
+              <a:t>18-08-2025</a:t>
             </a:fld>
             <a:endParaRPr lang="en-IN"/>
           </a:p>
@@ -5319,7 +5313,7 @@
           <a:p>
             <a:fld id="{71CB103D-D639-4698-B460-54B6B625CA0A}" type="datetimeFigureOut">
               <a:rPr lang="en-IN" smtClean="0"/>
-              <a:t>17-08-2025</a:t>
+              <a:t>18-08-2025</a:t>
             </a:fld>
             <a:endParaRPr lang="en-IN"/>
           </a:p>
@@ -5942,7 +5936,232 @@
 </p:sld>
 </file>
 
-<file path=ppt/slides/slide10.xml><?xml version="1.0" encoding="utf-8"?>
+<file path=ppt/slides/slide2.xml><?xml version="1.0" encoding="utf-8"?>
+<p:sld xmlns:a="http://schemas.openxmlformats.org/drawingml/2006/main" xmlns:r="http://schemas.openxmlformats.org/officeDocument/2006/relationships" xmlns:p="http://schemas.openxmlformats.org/presentationml/2006/main">
+  <p:cSld>
+    <p:spTree>
+      <p:nvGrpSpPr>
+        <p:cNvPr id="1" name=""/>
+        <p:cNvGrpSpPr/>
+        <p:nvPr/>
+      </p:nvGrpSpPr>
+      <p:grpSpPr>
+        <a:xfrm>
+          <a:off x="0" y="0"/>
+          <a:ext cx="0" cy="0"/>
+          <a:chOff x="0" y="0"/>
+          <a:chExt cx="0" cy="0"/>
+        </a:xfrm>
+      </p:grpSpPr>
+      <p:sp>
+        <p:nvSpPr>
+          <p:cNvPr id="2" name="Title 1">
+            <a:extLst>
+              <a:ext uri="{FF2B5EF4-FFF2-40B4-BE49-F238E27FC236}">
+                <a16:creationId xmlns:a16="http://schemas.microsoft.com/office/drawing/2014/main" id="{0D1EA0D5-9A64-0B2B-B62D-43CB7D9B5117}"/>
+              </a:ext>
+            </a:extLst>
+          </p:cNvPr>
+          <p:cNvSpPr>
+            <a:spLocks noGrp="1"/>
+          </p:cNvSpPr>
+          <p:nvPr>
+            <p:ph type="title"/>
+          </p:nvPr>
+        </p:nvSpPr>
+        <p:spPr/>
+        <p:txBody>
+          <a:bodyPr>
+            <a:normAutofit/>
+          </a:bodyPr>
+          <a:lstStyle/>
+          <a:p>
+            <a:r>
+              <a:rPr lang="en-US" sz="4400" dirty="0"/>
+              <a:t>Objectives</a:t>
+            </a:r>
+            <a:endParaRPr lang="en-IN" sz="4400" dirty="0"/>
+          </a:p>
+        </p:txBody>
+      </p:sp>
+      <p:sp>
+        <p:nvSpPr>
+          <p:cNvPr id="3" name="Content Placeholder 2">
+            <a:extLst>
+              <a:ext uri="{FF2B5EF4-FFF2-40B4-BE49-F238E27FC236}">
+                <a16:creationId xmlns:a16="http://schemas.microsoft.com/office/drawing/2014/main" id="{C0A74235-D933-1C62-D25F-75D32E829871}"/>
+              </a:ext>
+            </a:extLst>
+          </p:cNvPr>
+          <p:cNvSpPr>
+            <a:spLocks noGrp="1"/>
+          </p:cNvSpPr>
+          <p:nvPr>
+            <p:ph idx="1"/>
+          </p:nvPr>
+        </p:nvSpPr>
+        <p:spPr/>
+        <p:txBody>
+          <a:bodyPr>
+            <a:normAutofit/>
+          </a:bodyPr>
+          <a:lstStyle/>
+          <a:p>
+            <a:r>
+              <a:rPr lang="en-IN" sz="2400" dirty="0"/>
+              <a:t>Build a web-based system for booking road usage slots in advance.</a:t>
+            </a:r>
+          </a:p>
+          <a:p>
+            <a:r>
+              <a:rPr lang="en-IN" sz="2400" dirty="0"/>
+              <a:t>Use Dijkstra’s algorithm to suggest optimal, congestion-free routes.</a:t>
+            </a:r>
+          </a:p>
+          <a:p>
+            <a:r>
+              <a:rPr lang="en-IN" sz="2400" dirty="0"/>
+              <a:t>Predict future traffic load using AI/ML models.</a:t>
+            </a:r>
+          </a:p>
+          <a:p>
+            <a:r>
+              <a:rPr lang="en-IN" sz="2400" dirty="0"/>
+              <a:t>Recommend optimal speed for smooth vehicle movement.</a:t>
+            </a:r>
+          </a:p>
+          <a:p>
+            <a:r>
+              <a:rPr lang="en-IN" sz="2400" dirty="0"/>
+              <a:t>Simulate a mini smart-city road network for demonstration purposes.</a:t>
+            </a:r>
+          </a:p>
+        </p:txBody>
+      </p:sp>
+    </p:spTree>
+    <p:extLst>
+      <p:ext uri="{BB962C8B-B14F-4D97-AF65-F5344CB8AC3E}">
+        <p14:creationId xmlns:p14="http://schemas.microsoft.com/office/powerpoint/2010/main" val="1309789940"/>
+      </p:ext>
+    </p:extLst>
+  </p:cSld>
+  <p:clrMapOvr>
+    <a:masterClrMapping/>
+  </p:clrMapOvr>
+</p:sld>
+</file>
+
+<file path=ppt/slides/slide3.xml><?xml version="1.0" encoding="utf-8"?>
+<p:sld xmlns:a="http://schemas.openxmlformats.org/drawingml/2006/main" xmlns:r="http://schemas.openxmlformats.org/officeDocument/2006/relationships" xmlns:p="http://schemas.openxmlformats.org/presentationml/2006/main">
+  <p:cSld>
+    <p:spTree>
+      <p:nvGrpSpPr>
+        <p:cNvPr id="1" name=""/>
+        <p:cNvGrpSpPr/>
+        <p:nvPr/>
+      </p:nvGrpSpPr>
+      <p:grpSpPr>
+        <a:xfrm>
+          <a:off x="0" y="0"/>
+          <a:ext cx="0" cy="0"/>
+          <a:chOff x="0" y="0"/>
+          <a:chExt cx="0" cy="0"/>
+        </a:xfrm>
+      </p:grpSpPr>
+      <p:sp>
+        <p:nvSpPr>
+          <p:cNvPr id="2" name="Title 1">
+            <a:extLst>
+              <a:ext uri="{FF2B5EF4-FFF2-40B4-BE49-F238E27FC236}">
+                <a16:creationId xmlns:a16="http://schemas.microsoft.com/office/drawing/2014/main" id="{87CE1203-874A-1D2D-A533-CE39DE1F0C75}"/>
+              </a:ext>
+            </a:extLst>
+          </p:cNvPr>
+          <p:cNvSpPr>
+            <a:spLocks noGrp="1"/>
+          </p:cNvSpPr>
+          <p:nvPr>
+            <p:ph type="title"/>
+          </p:nvPr>
+        </p:nvSpPr>
+        <p:spPr/>
+        <p:txBody>
+          <a:bodyPr>
+            <a:normAutofit/>
+          </a:bodyPr>
+          <a:lstStyle/>
+          <a:p>
+            <a:r>
+              <a:rPr lang="en-US" sz="4400" dirty="0"/>
+              <a:t>Problem Statement</a:t>
+            </a:r>
+            <a:endParaRPr lang="en-IN" sz="4400" dirty="0"/>
+          </a:p>
+        </p:txBody>
+      </p:sp>
+      <p:sp>
+        <p:nvSpPr>
+          <p:cNvPr id="3" name="Content Placeholder 2">
+            <a:extLst>
+              <a:ext uri="{FF2B5EF4-FFF2-40B4-BE49-F238E27FC236}">
+                <a16:creationId xmlns:a16="http://schemas.microsoft.com/office/drawing/2014/main" id="{7877B631-F64D-3EA6-FDEE-A899F020885D}"/>
+              </a:ext>
+            </a:extLst>
+          </p:cNvPr>
+          <p:cNvSpPr>
+            <a:spLocks noGrp="1"/>
+          </p:cNvSpPr>
+          <p:nvPr>
+            <p:ph idx="1"/>
+          </p:nvPr>
+        </p:nvSpPr>
+        <p:spPr/>
+        <p:txBody>
+          <a:bodyPr>
+            <a:normAutofit/>
+          </a:bodyPr>
+          <a:lstStyle/>
+          <a:p>
+            <a:r>
+              <a:rPr lang="en-US" sz="2400" dirty="0"/>
+              <a:t>Urban roads often face congestion due to uncoordinated vehicle flow.</a:t>
+            </a:r>
+          </a:p>
+          <a:p>
+            <a:r>
+              <a:rPr lang="en-US" sz="2400" dirty="0"/>
+              <a:t>Peak-hour traffic leads to delays, increased fuel consumption, and pollution.</a:t>
+            </a:r>
+          </a:p>
+          <a:p>
+            <a:r>
+              <a:rPr lang="en-US" sz="2400" dirty="0"/>
+              <a:t>Current systems do not offer pre-booking or optimal speed guidance to prevent traffic jams.</a:t>
+            </a:r>
+          </a:p>
+          <a:p>
+            <a:r>
+              <a:rPr lang="en-US" sz="2400" dirty="0"/>
+              <a:t>There's a lack of smart tools to simulate and plan city traffic using AI techniques.</a:t>
+            </a:r>
+            <a:endParaRPr lang="en-IN" sz="2400" dirty="0"/>
+          </a:p>
+        </p:txBody>
+      </p:sp>
+    </p:spTree>
+    <p:extLst>
+      <p:ext uri="{BB962C8B-B14F-4D97-AF65-F5344CB8AC3E}">
+        <p14:creationId xmlns:p14="http://schemas.microsoft.com/office/powerpoint/2010/main" val="51181781"/>
+      </p:ext>
+    </p:extLst>
+  </p:cSld>
+  <p:clrMapOvr>
+    <a:masterClrMapping/>
+  </p:clrMapOvr>
+</p:sld>
+</file>
+
+<file path=ppt/slides/slide4.xml><?xml version="1.0" encoding="utf-8"?>
 <p:sld xmlns:a="http://schemas.openxmlformats.org/drawingml/2006/main" xmlns:r="http://schemas.openxmlformats.org/officeDocument/2006/relationships" xmlns:p="http://schemas.openxmlformats.org/presentationml/2006/main">
   <p:cSld>
     <p:spTree>
@@ -5991,7 +6210,7 @@
 </p:sld>
 </file>
 
-<file path=ppt/slides/slide11.xml><?xml version="1.0" encoding="utf-8"?>
+<file path=ppt/slides/slide5.xml><?xml version="1.0" encoding="utf-8"?>
 <p:sld xmlns:a="http://schemas.openxmlformats.org/drawingml/2006/main" xmlns:r="http://schemas.openxmlformats.org/officeDocument/2006/relationships" xmlns:p="http://schemas.openxmlformats.org/presentationml/2006/main">
   <p:cSld>
     <p:spTree>
@@ -6040,7 +6259,7 @@
 </p:sld>
 </file>
 
-<file path=ppt/slides/slide12.xml><?xml version="1.0" encoding="utf-8"?>
+<file path=ppt/slides/slide6.xml><?xml version="1.0" encoding="utf-8"?>
 <p:sld xmlns:a="http://schemas.openxmlformats.org/drawingml/2006/main" xmlns:r="http://schemas.openxmlformats.org/officeDocument/2006/relationships" xmlns:p="http://schemas.openxmlformats.org/presentationml/2006/main">
   <p:cSld>
     <p:spTree>
@@ -6089,874 +6308,6 @@
 </p:sld>
 </file>
 
-<file path=ppt/slides/slide13.xml><?xml version="1.0" encoding="utf-8"?>
-<p:sld xmlns:a="http://schemas.openxmlformats.org/drawingml/2006/main" xmlns:r="http://schemas.openxmlformats.org/officeDocument/2006/relationships" xmlns:p="http://schemas.openxmlformats.org/presentationml/2006/main">
-  <p:cSld>
-    <p:spTree>
-      <p:nvGrpSpPr>
-        <p:cNvPr id="1" name=""/>
-        <p:cNvGrpSpPr/>
-        <p:nvPr/>
-      </p:nvGrpSpPr>
-      <p:grpSpPr>
-        <a:xfrm>
-          <a:off x="0" y="0"/>
-          <a:ext cx="0" cy="0"/>
-          <a:chOff x="0" y="0"/>
-          <a:chExt cx="0" cy="0"/>
-        </a:xfrm>
-      </p:grpSpPr>
-      <p:sp>
-        <p:nvSpPr>
-          <p:cNvPr id="2" name="Title 1"/>
-          <p:cNvSpPr>
-            <a:spLocks noGrp="1"/>
-          </p:cNvSpPr>
-          <p:nvPr>
-            <p:ph type="title"/>
-          </p:nvPr>
-        </p:nvSpPr>
-        <p:spPr/>
-        <p:txBody>
-          <a:bodyPr>
-            <a:normAutofit/>
-          </a:bodyPr>
-          <a:lstStyle/>
-          <a:p>
-            <a:r>
-              <a:rPr sz="4800" dirty="0"/>
-              <a:t>SDLC Model</a:t>
-            </a:r>
-          </a:p>
-        </p:txBody>
-      </p:sp>
-      <p:sp>
-        <p:nvSpPr>
-          <p:cNvPr id="3" name="Content Placeholder 2"/>
-          <p:cNvSpPr>
-            <a:spLocks noGrp="1"/>
-          </p:cNvSpPr>
-          <p:nvPr>
-            <p:ph idx="1"/>
-          </p:nvPr>
-        </p:nvSpPr>
-        <p:spPr/>
-        <p:txBody>
-          <a:bodyPr>
-            <a:normAutofit/>
-          </a:bodyPr>
-          <a:lstStyle/>
-          <a:p>
-            <a:r>
-              <a:rPr sz="2400" dirty="0"/>
-              <a:t>Iterative Development Model</a:t>
-            </a:r>
-          </a:p>
-          <a:p>
-            <a:pPr lvl="1"/>
-            <a:r>
-              <a:rPr sz="2000" dirty="0"/>
-              <a:t>• Build core modules first (UI + Routing logic)</a:t>
-            </a:r>
-          </a:p>
-          <a:p>
-            <a:pPr lvl="1"/>
-            <a:r>
-              <a:rPr sz="2000" dirty="0"/>
-              <a:t>• Test with small datasets and refine</a:t>
-            </a:r>
-          </a:p>
-          <a:p>
-            <a:pPr lvl="1"/>
-            <a:r>
-              <a:rPr sz="2000" dirty="0"/>
-              <a:t>• Add AI/ML, Admin tools incrementally</a:t>
-            </a:r>
-          </a:p>
-          <a:p>
-            <a:r>
-              <a:rPr sz="2400" dirty="0"/>
-              <a:t>Why Iterative?</a:t>
-            </a:r>
-          </a:p>
-          <a:p>
-            <a:pPr lvl="1"/>
-            <a:r>
-              <a:rPr sz="2000" dirty="0"/>
-              <a:t>• Adaptable to change, early prototypes, suits small teams and tight deadlines</a:t>
-            </a:r>
-          </a:p>
-        </p:txBody>
-      </p:sp>
-    </p:spTree>
-  </p:cSld>
-  <p:clrMapOvr>
-    <a:masterClrMapping/>
-  </p:clrMapOvr>
-</p:sld>
-</file>
-
-<file path=ppt/slides/slide14.xml><?xml version="1.0" encoding="utf-8"?>
-<p:sld xmlns:a="http://schemas.openxmlformats.org/drawingml/2006/main" xmlns:r="http://schemas.openxmlformats.org/officeDocument/2006/relationships" xmlns:p="http://schemas.openxmlformats.org/presentationml/2006/main">
-  <p:cSld>
-    <p:spTree>
-      <p:nvGrpSpPr>
-        <p:cNvPr id="1" name=""/>
-        <p:cNvGrpSpPr/>
-        <p:nvPr/>
-      </p:nvGrpSpPr>
-      <p:grpSpPr>
-        <a:xfrm>
-          <a:off x="0" y="0"/>
-          <a:ext cx="0" cy="0"/>
-          <a:chOff x="0" y="0"/>
-          <a:chExt cx="0" cy="0"/>
-        </a:xfrm>
-      </p:grpSpPr>
-      <p:sp>
-        <p:nvSpPr>
-          <p:cNvPr id="2" name="Title 1"/>
-          <p:cNvSpPr>
-            <a:spLocks noGrp="1"/>
-          </p:cNvSpPr>
-          <p:nvPr>
-            <p:ph type="title"/>
-          </p:nvPr>
-        </p:nvSpPr>
-        <p:spPr/>
-        <p:txBody>
-          <a:bodyPr>
-            <a:normAutofit/>
-          </a:bodyPr>
-          <a:lstStyle/>
-          <a:p>
-            <a:r>
-              <a:rPr sz="4400" dirty="0"/>
-              <a:t>AI Ethics</a:t>
-            </a:r>
-          </a:p>
-        </p:txBody>
-      </p:sp>
-      <p:sp>
-        <p:nvSpPr>
-          <p:cNvPr id="3" name="Content Placeholder 2"/>
-          <p:cNvSpPr>
-            <a:spLocks noGrp="1"/>
-          </p:cNvSpPr>
-          <p:nvPr>
-            <p:ph idx="1"/>
-          </p:nvPr>
-        </p:nvSpPr>
-        <p:spPr>
-          <a:xfrm>
-            <a:off x="677333" y="2160589"/>
-            <a:ext cx="9948625" cy="3880773"/>
-          </a:xfrm>
-        </p:spPr>
-        <p:txBody>
-          <a:bodyPr>
-            <a:normAutofit/>
-          </a:bodyPr>
-          <a:lstStyle/>
-          <a:p>
-            <a:r>
-              <a:rPr sz="2000" dirty="0"/>
-              <a:t>Privacy: Anonymize user data; avoid storing personal trip traces.</a:t>
-            </a:r>
-            <a:endParaRPr lang="en-US" sz="2000" dirty="0"/>
-          </a:p>
-          <a:p>
-            <a:r>
-              <a:rPr sz="2000" dirty="0"/>
-              <a:t>Fairness: Ensure model does not bias certain areas or users.</a:t>
-            </a:r>
-            <a:endParaRPr lang="en-US" sz="2000" dirty="0"/>
-          </a:p>
-          <a:p>
-            <a:r>
-              <a:rPr sz="2000" dirty="0"/>
-              <a:t>Transparency: Explain booking rejections and speed recommendations.</a:t>
-            </a:r>
-            <a:endParaRPr lang="en-US" sz="2000" dirty="0"/>
-          </a:p>
-          <a:p>
-            <a:r>
-              <a:rPr sz="2000" dirty="0"/>
-              <a:t>Safety: Validate recommended speeds against road limits and safety constraints.</a:t>
-            </a:r>
-            <a:endParaRPr lang="en-US" sz="2000" dirty="0"/>
-          </a:p>
-          <a:p>
-            <a:r>
-              <a:rPr sz="2000" dirty="0"/>
-              <a:t>Consent &amp; Data Minimization: Collect only necessary data and obtain consent.</a:t>
-            </a:r>
-          </a:p>
-        </p:txBody>
-      </p:sp>
-    </p:spTree>
-  </p:cSld>
-  <p:clrMapOvr>
-    <a:masterClrMapping/>
-  </p:clrMapOvr>
-</p:sld>
-</file>
-
-<file path=ppt/slides/slide15.xml><?xml version="1.0" encoding="utf-8"?>
-<p:sld xmlns:a="http://schemas.openxmlformats.org/drawingml/2006/main" xmlns:r="http://schemas.openxmlformats.org/officeDocument/2006/relationships" xmlns:p="http://schemas.openxmlformats.org/presentationml/2006/main">
-  <p:cSld>
-    <p:spTree>
-      <p:nvGrpSpPr>
-        <p:cNvPr id="1" name=""/>
-        <p:cNvGrpSpPr/>
-        <p:nvPr/>
-      </p:nvGrpSpPr>
-      <p:grpSpPr>
-        <a:xfrm>
-          <a:off x="0" y="0"/>
-          <a:ext cx="0" cy="0"/>
-          <a:chOff x="0" y="0"/>
-          <a:chExt cx="0" cy="0"/>
-        </a:xfrm>
-      </p:grpSpPr>
-      <p:sp>
-        <p:nvSpPr>
-          <p:cNvPr id="2" name="Title 1"/>
-          <p:cNvSpPr>
-            <a:spLocks noGrp="1"/>
-          </p:cNvSpPr>
-          <p:nvPr>
-            <p:ph type="title"/>
-          </p:nvPr>
-        </p:nvSpPr>
-        <p:spPr/>
-        <p:txBody>
-          <a:bodyPr>
-            <a:normAutofit/>
-          </a:bodyPr>
-          <a:lstStyle/>
-          <a:p>
-            <a:r>
-              <a:rPr sz="4400" dirty="0"/>
-              <a:t>Cost Efficiency</a:t>
-            </a:r>
-          </a:p>
-        </p:txBody>
-      </p:sp>
-      <p:sp>
-        <p:nvSpPr>
-          <p:cNvPr id="3" name="Content Placeholder 2"/>
-          <p:cNvSpPr>
-            <a:spLocks noGrp="1"/>
-          </p:cNvSpPr>
-          <p:nvPr>
-            <p:ph idx="1"/>
-          </p:nvPr>
-        </p:nvSpPr>
-        <p:spPr/>
-        <p:txBody>
-          <a:bodyPr>
-            <a:normAutofit/>
-          </a:bodyPr>
-          <a:lstStyle/>
-          <a:p>
-            <a:r>
-              <a:rPr sz="2000" dirty="0"/>
-              <a:t>Use cloud free tiers: MongoDB Atlas free tier, </a:t>
-            </a:r>
-            <a:r>
-              <a:rPr sz="2000" dirty="0" err="1"/>
-              <a:t>Vercel</a:t>
-            </a:r>
-            <a:r>
-              <a:rPr sz="2000" dirty="0"/>
-              <a:t>/Netlify for frontend.</a:t>
-            </a:r>
-            <a:endParaRPr lang="en-US" sz="2000" dirty="0"/>
-          </a:p>
-          <a:p>
-            <a:r>
-              <a:rPr sz="2000" dirty="0"/>
-              <a:t>Lightweight ML models (scikit-learn) and batch predictions to reduce compute.</a:t>
-            </a:r>
-            <a:endParaRPr lang="en-US" sz="2000" dirty="0"/>
-          </a:p>
-          <a:p>
-            <a:r>
-              <a:rPr sz="2000" dirty="0"/>
-              <a:t>Cache frequent route calculations and reuse Dijkstra results where possible.</a:t>
-            </a:r>
-            <a:endParaRPr lang="en-US" sz="2000" dirty="0"/>
-          </a:p>
-          <a:p>
-            <a:r>
-              <a:rPr sz="2000" dirty="0"/>
-              <a:t>Simulate traffic during development to avoid costly real-world testing.</a:t>
-            </a:r>
-            <a:endParaRPr lang="en-US" sz="2000" dirty="0"/>
-          </a:p>
-          <a:p>
-            <a:r>
-              <a:rPr sz="2000" dirty="0"/>
-              <a:t>Complexity awareness: Dijkstra O(E + V log V) — optimize graph representation.</a:t>
-            </a:r>
-          </a:p>
-        </p:txBody>
-      </p:sp>
-    </p:spTree>
-  </p:cSld>
-  <p:clrMapOvr>
-    <a:masterClrMapping/>
-  </p:clrMapOvr>
-</p:sld>
-</file>
-
-<file path=ppt/slides/slide2.xml><?xml version="1.0" encoding="utf-8"?>
-<p:sld xmlns:a="http://schemas.openxmlformats.org/drawingml/2006/main" xmlns:r="http://schemas.openxmlformats.org/officeDocument/2006/relationships" xmlns:p="http://schemas.openxmlformats.org/presentationml/2006/main">
-  <p:cSld>
-    <p:spTree>
-      <p:nvGrpSpPr>
-        <p:cNvPr id="1" name=""/>
-        <p:cNvGrpSpPr/>
-        <p:nvPr/>
-      </p:nvGrpSpPr>
-      <p:grpSpPr>
-        <a:xfrm>
-          <a:off x="0" y="0"/>
-          <a:ext cx="0" cy="0"/>
-          <a:chOff x="0" y="0"/>
-          <a:chExt cx="0" cy="0"/>
-        </a:xfrm>
-      </p:grpSpPr>
-      <p:sp>
-        <p:nvSpPr>
-          <p:cNvPr id="2" name="Title 1">
-            <a:extLst>
-              <a:ext uri="{FF2B5EF4-FFF2-40B4-BE49-F238E27FC236}">
-                <a16:creationId xmlns:a16="http://schemas.microsoft.com/office/drawing/2014/main" id="{0D1EA0D5-9A64-0B2B-B62D-43CB7D9B5117}"/>
-              </a:ext>
-            </a:extLst>
-          </p:cNvPr>
-          <p:cNvSpPr>
-            <a:spLocks noGrp="1"/>
-          </p:cNvSpPr>
-          <p:nvPr>
-            <p:ph type="title"/>
-          </p:nvPr>
-        </p:nvSpPr>
-        <p:spPr/>
-        <p:txBody>
-          <a:bodyPr>
-            <a:normAutofit/>
-          </a:bodyPr>
-          <a:lstStyle/>
-          <a:p>
-            <a:r>
-              <a:rPr lang="en-US" sz="4400" dirty="0"/>
-              <a:t>Objectives</a:t>
-            </a:r>
-            <a:endParaRPr lang="en-IN" sz="4400" dirty="0"/>
-          </a:p>
-        </p:txBody>
-      </p:sp>
-      <p:sp>
-        <p:nvSpPr>
-          <p:cNvPr id="3" name="Content Placeholder 2">
-            <a:extLst>
-              <a:ext uri="{FF2B5EF4-FFF2-40B4-BE49-F238E27FC236}">
-                <a16:creationId xmlns:a16="http://schemas.microsoft.com/office/drawing/2014/main" id="{C0A74235-D933-1C62-D25F-75D32E829871}"/>
-              </a:ext>
-            </a:extLst>
-          </p:cNvPr>
-          <p:cNvSpPr>
-            <a:spLocks noGrp="1"/>
-          </p:cNvSpPr>
-          <p:nvPr>
-            <p:ph idx="1"/>
-          </p:nvPr>
-        </p:nvSpPr>
-        <p:spPr/>
-        <p:txBody>
-          <a:bodyPr>
-            <a:normAutofit/>
-          </a:bodyPr>
-          <a:lstStyle/>
-          <a:p>
-            <a:r>
-              <a:rPr lang="en-IN" sz="2400" dirty="0"/>
-              <a:t>Build a web-based system for booking road usage slots in advance.</a:t>
-            </a:r>
-          </a:p>
-          <a:p>
-            <a:r>
-              <a:rPr lang="en-IN" sz="2400" dirty="0"/>
-              <a:t>Use Dijkstra’s algorithm to suggest optimal, congestion-free routes.</a:t>
-            </a:r>
-          </a:p>
-          <a:p>
-            <a:r>
-              <a:rPr lang="en-IN" sz="2400" dirty="0"/>
-              <a:t>Predict future traffic load using AI/ML models.</a:t>
-            </a:r>
-          </a:p>
-          <a:p>
-            <a:r>
-              <a:rPr lang="en-IN" sz="2400" dirty="0"/>
-              <a:t>Recommend optimal speed for smooth vehicle movement.</a:t>
-            </a:r>
-          </a:p>
-          <a:p>
-            <a:r>
-              <a:rPr lang="en-IN" sz="2400" dirty="0"/>
-              <a:t>Simulate a mini smart-city road network for demonstration purposes.</a:t>
-            </a:r>
-          </a:p>
-        </p:txBody>
-      </p:sp>
-    </p:spTree>
-    <p:extLst>
-      <p:ext uri="{BB962C8B-B14F-4D97-AF65-F5344CB8AC3E}">
-        <p14:creationId xmlns:p14="http://schemas.microsoft.com/office/powerpoint/2010/main" val="1309789940"/>
-      </p:ext>
-    </p:extLst>
-  </p:cSld>
-  <p:clrMapOvr>
-    <a:masterClrMapping/>
-  </p:clrMapOvr>
-</p:sld>
-</file>
-
-<file path=ppt/slides/slide3.xml><?xml version="1.0" encoding="utf-8"?>
-<p:sld xmlns:a="http://schemas.openxmlformats.org/drawingml/2006/main" xmlns:r="http://schemas.openxmlformats.org/officeDocument/2006/relationships" xmlns:p="http://schemas.openxmlformats.org/presentationml/2006/main">
-  <p:cSld>
-    <p:spTree>
-      <p:nvGrpSpPr>
-        <p:cNvPr id="1" name=""/>
-        <p:cNvGrpSpPr/>
-        <p:nvPr/>
-      </p:nvGrpSpPr>
-      <p:grpSpPr>
-        <a:xfrm>
-          <a:off x="0" y="0"/>
-          <a:ext cx="0" cy="0"/>
-          <a:chOff x="0" y="0"/>
-          <a:chExt cx="0" cy="0"/>
-        </a:xfrm>
-      </p:grpSpPr>
-      <p:sp>
-        <p:nvSpPr>
-          <p:cNvPr id="2" name="Title 1">
-            <a:extLst>
-              <a:ext uri="{FF2B5EF4-FFF2-40B4-BE49-F238E27FC236}">
-                <a16:creationId xmlns:a16="http://schemas.microsoft.com/office/drawing/2014/main" id="{87CE1203-874A-1D2D-A533-CE39DE1F0C75}"/>
-              </a:ext>
-            </a:extLst>
-          </p:cNvPr>
-          <p:cNvSpPr>
-            <a:spLocks noGrp="1"/>
-          </p:cNvSpPr>
-          <p:nvPr>
-            <p:ph type="title"/>
-          </p:nvPr>
-        </p:nvSpPr>
-        <p:spPr/>
-        <p:txBody>
-          <a:bodyPr>
-            <a:normAutofit/>
-          </a:bodyPr>
-          <a:lstStyle/>
-          <a:p>
-            <a:r>
-              <a:rPr lang="en-US" sz="4400" dirty="0"/>
-              <a:t>Problem Statement</a:t>
-            </a:r>
-            <a:endParaRPr lang="en-IN" sz="4400" dirty="0"/>
-          </a:p>
-        </p:txBody>
-      </p:sp>
-      <p:sp>
-        <p:nvSpPr>
-          <p:cNvPr id="3" name="Content Placeholder 2">
-            <a:extLst>
-              <a:ext uri="{FF2B5EF4-FFF2-40B4-BE49-F238E27FC236}">
-                <a16:creationId xmlns:a16="http://schemas.microsoft.com/office/drawing/2014/main" id="{7877B631-F64D-3EA6-FDEE-A899F020885D}"/>
-              </a:ext>
-            </a:extLst>
-          </p:cNvPr>
-          <p:cNvSpPr>
-            <a:spLocks noGrp="1"/>
-          </p:cNvSpPr>
-          <p:nvPr>
-            <p:ph idx="1"/>
-          </p:nvPr>
-        </p:nvSpPr>
-        <p:spPr/>
-        <p:txBody>
-          <a:bodyPr>
-            <a:normAutofit/>
-          </a:bodyPr>
-          <a:lstStyle/>
-          <a:p>
-            <a:r>
-              <a:rPr lang="en-US" sz="2400" dirty="0"/>
-              <a:t>Urban roads often face congestion due to uncoordinated vehicle flow.</a:t>
-            </a:r>
-          </a:p>
-          <a:p>
-            <a:r>
-              <a:rPr lang="en-US" sz="2400" dirty="0"/>
-              <a:t>Peak-hour traffic leads to delays, increased fuel consumption, and pollution.</a:t>
-            </a:r>
-          </a:p>
-          <a:p>
-            <a:r>
-              <a:rPr lang="en-US" sz="2400" dirty="0"/>
-              <a:t>Current systems do not offer pre-booking or optimal speed guidance to prevent traffic jams.</a:t>
-            </a:r>
-          </a:p>
-          <a:p>
-            <a:r>
-              <a:rPr lang="en-US" sz="2400" dirty="0"/>
-              <a:t>There's a lack of smart tools to simulate and plan city traffic using AI techniques.</a:t>
-            </a:r>
-            <a:endParaRPr lang="en-IN" sz="2400" dirty="0"/>
-          </a:p>
-        </p:txBody>
-      </p:sp>
-    </p:spTree>
-    <p:extLst>
-      <p:ext uri="{BB962C8B-B14F-4D97-AF65-F5344CB8AC3E}">
-        <p14:creationId xmlns:p14="http://schemas.microsoft.com/office/powerpoint/2010/main" val="51181781"/>
-      </p:ext>
-    </p:extLst>
-  </p:cSld>
-  <p:clrMapOvr>
-    <a:masterClrMapping/>
-  </p:clrMapOvr>
-</p:sld>
-</file>
-
-<file path=ppt/slides/slide4.xml><?xml version="1.0" encoding="utf-8"?>
-<p:sld xmlns:a="http://schemas.openxmlformats.org/drawingml/2006/main" xmlns:r="http://schemas.openxmlformats.org/officeDocument/2006/relationships" xmlns:p="http://schemas.openxmlformats.org/presentationml/2006/main">
-  <p:cSld>
-    <p:spTree>
-      <p:nvGrpSpPr>
-        <p:cNvPr id="1" name=""/>
-        <p:cNvGrpSpPr/>
-        <p:nvPr/>
-      </p:nvGrpSpPr>
-      <p:grpSpPr>
-        <a:xfrm>
-          <a:off x="0" y="0"/>
-          <a:ext cx="0" cy="0"/>
-          <a:chOff x="0" y="0"/>
-          <a:chExt cx="0" cy="0"/>
-        </a:xfrm>
-      </p:grpSpPr>
-      <p:sp>
-        <p:nvSpPr>
-          <p:cNvPr id="2" name="Title 1">
-            <a:extLst>
-              <a:ext uri="{FF2B5EF4-FFF2-40B4-BE49-F238E27FC236}">
-                <a16:creationId xmlns:a16="http://schemas.microsoft.com/office/drawing/2014/main" id="{4A0834CF-3883-0D13-3880-D638D10EA25A}"/>
-              </a:ext>
-            </a:extLst>
-          </p:cNvPr>
-          <p:cNvSpPr>
-            <a:spLocks noGrp="1"/>
-          </p:cNvSpPr>
-          <p:nvPr>
-            <p:ph type="title"/>
-          </p:nvPr>
-        </p:nvSpPr>
-        <p:spPr/>
-        <p:txBody>
-          <a:bodyPr>
-            <a:normAutofit/>
-          </a:bodyPr>
-          <a:lstStyle/>
-          <a:p>
-            <a:r>
-              <a:rPr lang="en-US" sz="4400" dirty="0"/>
-              <a:t>Google Maps Traffic Navigation</a:t>
-            </a:r>
-            <a:endParaRPr lang="en-IN" sz="4400" dirty="0"/>
-          </a:p>
-        </p:txBody>
-      </p:sp>
-      <p:sp>
-        <p:nvSpPr>
-          <p:cNvPr id="3" name="Content Placeholder 2">
-            <a:extLst>
-              <a:ext uri="{FF2B5EF4-FFF2-40B4-BE49-F238E27FC236}">
-                <a16:creationId xmlns:a16="http://schemas.microsoft.com/office/drawing/2014/main" id="{E850D2CC-B7F8-7A50-1B87-1901F6082FB6}"/>
-              </a:ext>
-            </a:extLst>
-          </p:cNvPr>
-          <p:cNvSpPr>
-            <a:spLocks noGrp="1"/>
-          </p:cNvSpPr>
-          <p:nvPr>
-            <p:ph idx="1"/>
-          </p:nvPr>
-        </p:nvSpPr>
-        <p:spPr/>
-        <p:txBody>
-          <a:bodyPr>
-            <a:normAutofit/>
-          </a:bodyPr>
-          <a:lstStyle/>
-          <a:p>
-            <a:r>
-              <a:rPr lang="en-IN" sz="2400" dirty="0"/>
-              <a:t>Real-time traffic visualization using GPS data.</a:t>
-            </a:r>
-          </a:p>
-          <a:p>
-            <a:r>
-              <a:rPr lang="en-IN" sz="2400" dirty="0"/>
-              <a:t>Alternative route suggestions during congestion.</a:t>
-            </a:r>
-          </a:p>
-          <a:p>
-            <a:r>
-              <a:rPr lang="en-IN" sz="2400" dirty="0"/>
-              <a:t>Estimated arrival time (ETA) based on current conditions.</a:t>
-            </a:r>
-          </a:p>
-          <a:p>
-            <a:r>
-              <a:rPr lang="en-IN" sz="2400" dirty="0"/>
-              <a:t>Live speed and roadblock alerts via user crowdsourcing.</a:t>
-            </a:r>
-          </a:p>
-        </p:txBody>
-      </p:sp>
-    </p:spTree>
-    <p:extLst>
-      <p:ext uri="{BB962C8B-B14F-4D97-AF65-F5344CB8AC3E}">
-        <p14:creationId xmlns:p14="http://schemas.microsoft.com/office/powerpoint/2010/main" val="350431636"/>
-      </p:ext>
-    </p:extLst>
-  </p:cSld>
-  <p:clrMapOvr>
-    <a:masterClrMapping/>
-  </p:clrMapOvr>
-</p:sld>
-</file>
-
-<file path=ppt/slides/slide5.xml><?xml version="1.0" encoding="utf-8"?>
-<p:sld xmlns:a="http://schemas.openxmlformats.org/drawingml/2006/main" xmlns:r="http://schemas.openxmlformats.org/officeDocument/2006/relationships" xmlns:p="http://schemas.openxmlformats.org/presentationml/2006/main">
-  <p:cSld>
-    <p:spTree>
-      <p:nvGrpSpPr>
-        <p:cNvPr id="1" name=""/>
-        <p:cNvGrpSpPr/>
-        <p:nvPr/>
-      </p:nvGrpSpPr>
-      <p:grpSpPr>
-        <a:xfrm>
-          <a:off x="0" y="0"/>
-          <a:ext cx="0" cy="0"/>
-          <a:chOff x="0" y="0"/>
-          <a:chExt cx="0" cy="0"/>
-        </a:xfrm>
-      </p:grpSpPr>
-      <p:sp>
-        <p:nvSpPr>
-          <p:cNvPr id="2" name="Title 1">
-            <a:extLst>
-              <a:ext uri="{FF2B5EF4-FFF2-40B4-BE49-F238E27FC236}">
-                <a16:creationId xmlns:a16="http://schemas.microsoft.com/office/drawing/2014/main" id="{48826577-839D-69ED-CD92-71B8B4F930EE}"/>
-              </a:ext>
-            </a:extLst>
-          </p:cNvPr>
-          <p:cNvSpPr>
-            <a:spLocks noGrp="1"/>
-          </p:cNvSpPr>
-          <p:nvPr>
-            <p:ph type="title"/>
-          </p:nvPr>
-        </p:nvSpPr>
-        <p:spPr/>
-        <p:txBody>
-          <a:bodyPr/>
-          <a:lstStyle/>
-          <a:p>
-            <a:r>
-              <a:rPr lang="en-US" dirty="0"/>
-              <a:t>Google Maps - Limitations</a:t>
-            </a:r>
-            <a:endParaRPr lang="en-IN" dirty="0"/>
-          </a:p>
-        </p:txBody>
-      </p:sp>
-      <p:sp>
-        <p:nvSpPr>
-          <p:cNvPr id="3" name="Content Placeholder 2">
-            <a:extLst>
-              <a:ext uri="{FF2B5EF4-FFF2-40B4-BE49-F238E27FC236}">
-                <a16:creationId xmlns:a16="http://schemas.microsoft.com/office/drawing/2014/main" id="{9A317F59-472D-3FFA-2862-EFAB8D976E73}"/>
-              </a:ext>
-            </a:extLst>
-          </p:cNvPr>
-          <p:cNvSpPr>
-            <a:spLocks noGrp="1"/>
-          </p:cNvSpPr>
-          <p:nvPr>
-            <p:ph idx="1"/>
-          </p:nvPr>
-        </p:nvSpPr>
-        <p:spPr/>
-        <p:txBody>
-          <a:bodyPr>
-            <a:normAutofit/>
-          </a:bodyPr>
-          <a:lstStyle/>
-          <a:p>
-            <a:r>
-              <a:rPr lang="en-US" sz="2400" dirty="0"/>
-              <a:t>No option for advance road booking or slot reservation.</a:t>
-            </a:r>
-          </a:p>
-          <a:p>
-            <a:r>
-              <a:rPr lang="en-US" sz="2400" dirty="0"/>
-              <a:t>Works reactively based on current traffic - not proactively.</a:t>
-            </a:r>
-          </a:p>
-          <a:p>
-            <a:r>
-              <a:rPr lang="en-US" sz="2400" dirty="0"/>
-              <a:t>Doesn’t recommend optimal speed to coordinate flow among vehicles.</a:t>
-            </a:r>
-          </a:p>
-          <a:p>
-            <a:r>
-              <a:rPr lang="en-US" sz="2400" dirty="0"/>
-              <a:t>Can’t simulate road usage for a planned smart city model.</a:t>
-            </a:r>
-            <a:endParaRPr lang="en-IN" sz="2400" dirty="0"/>
-          </a:p>
-        </p:txBody>
-      </p:sp>
-    </p:spTree>
-    <p:extLst>
-      <p:ext uri="{BB962C8B-B14F-4D97-AF65-F5344CB8AC3E}">
-        <p14:creationId xmlns:p14="http://schemas.microsoft.com/office/powerpoint/2010/main" val="694181930"/>
-      </p:ext>
-    </p:extLst>
-  </p:cSld>
-  <p:clrMapOvr>
-    <a:masterClrMapping/>
-  </p:clrMapOvr>
-</p:sld>
-</file>
-
-<file path=ppt/slides/slide6.xml><?xml version="1.0" encoding="utf-8"?>
-<p:sld xmlns:a="http://schemas.openxmlformats.org/drawingml/2006/main" xmlns:r="http://schemas.openxmlformats.org/officeDocument/2006/relationships" xmlns:p="http://schemas.openxmlformats.org/presentationml/2006/main">
-  <p:cSld>
-    <p:spTree>
-      <p:nvGrpSpPr>
-        <p:cNvPr id="1" name=""/>
-        <p:cNvGrpSpPr/>
-        <p:nvPr/>
-      </p:nvGrpSpPr>
-      <p:grpSpPr>
-        <a:xfrm>
-          <a:off x="0" y="0"/>
-          <a:ext cx="0" cy="0"/>
-          <a:chOff x="0" y="0"/>
-          <a:chExt cx="0" cy="0"/>
-        </a:xfrm>
-      </p:grpSpPr>
-      <p:sp>
-        <p:nvSpPr>
-          <p:cNvPr id="2" name="Title 1">
-            <a:extLst>
-              <a:ext uri="{FF2B5EF4-FFF2-40B4-BE49-F238E27FC236}">
-                <a16:creationId xmlns:a16="http://schemas.microsoft.com/office/drawing/2014/main" id="{996E0D1E-184C-996D-9901-442AA764C9FE}"/>
-              </a:ext>
-            </a:extLst>
-          </p:cNvPr>
-          <p:cNvSpPr>
-            <a:spLocks noGrp="1"/>
-          </p:cNvSpPr>
-          <p:nvPr>
-            <p:ph type="title"/>
-          </p:nvPr>
-        </p:nvSpPr>
-        <p:spPr/>
-        <p:txBody>
-          <a:bodyPr>
-            <a:normAutofit/>
-          </a:bodyPr>
-          <a:lstStyle/>
-          <a:p>
-            <a:r>
-              <a:rPr lang="en-US" sz="4400" dirty="0"/>
-              <a:t>My System’s Innovation</a:t>
-            </a:r>
-            <a:endParaRPr lang="en-IN" sz="4400" dirty="0"/>
-          </a:p>
-        </p:txBody>
-      </p:sp>
-      <p:sp>
-        <p:nvSpPr>
-          <p:cNvPr id="3" name="Content Placeholder 2">
-            <a:extLst>
-              <a:ext uri="{FF2B5EF4-FFF2-40B4-BE49-F238E27FC236}">
-                <a16:creationId xmlns:a16="http://schemas.microsoft.com/office/drawing/2014/main" id="{72DBD1A9-767A-DE0D-8722-54669C41C718}"/>
-              </a:ext>
-            </a:extLst>
-          </p:cNvPr>
-          <p:cNvSpPr>
-            <a:spLocks noGrp="1"/>
-          </p:cNvSpPr>
-          <p:nvPr>
-            <p:ph idx="1"/>
-          </p:nvPr>
-        </p:nvSpPr>
-        <p:spPr/>
-        <p:txBody>
-          <a:bodyPr>
-            <a:normAutofit/>
-          </a:bodyPr>
-          <a:lstStyle/>
-          <a:p>
-            <a:r>
-              <a:rPr lang="en-US" sz="2400" dirty="0"/>
-              <a:t>Booking road usage in advance</a:t>
-            </a:r>
-          </a:p>
-          <a:p>
-            <a:r>
-              <a:rPr lang="en-US" sz="2400" dirty="0"/>
-              <a:t>Suggesting speed and time slot</a:t>
-            </a:r>
-          </a:p>
-          <a:p>
-            <a:r>
-              <a:rPr lang="en-US" sz="2400" dirty="0"/>
-              <a:t>Using AI to predict future congestion</a:t>
-            </a:r>
-            <a:endParaRPr lang="en-IN" sz="2400" dirty="0"/>
-          </a:p>
-        </p:txBody>
-      </p:sp>
-    </p:spTree>
-    <p:extLst>
-      <p:ext uri="{BB962C8B-B14F-4D97-AF65-F5344CB8AC3E}">
-        <p14:creationId xmlns:p14="http://schemas.microsoft.com/office/powerpoint/2010/main" val="2474280260"/>
-      </p:ext>
-    </p:extLst>
-  </p:cSld>
-  <p:clrMapOvr>
-    <a:masterClrMapping/>
-  </p:clrMapOvr>
-</p:sld>
-</file>
-
 <file path=ppt/slides/slide7.xml><?xml version="1.0" encoding="utf-8"?>
 <p:sld xmlns:a="http://schemas.openxmlformats.org/drawingml/2006/main" xmlns:r="http://schemas.openxmlformats.org/officeDocument/2006/relationships" xmlns:p="http://schemas.openxmlformats.org/presentationml/2006/main">
   <p:cSld>
@@ -6976,13 +6327,7 @@
       </p:grpSpPr>
       <p:sp>
         <p:nvSpPr>
-          <p:cNvPr id="2" name="Title 1">
-            <a:extLst>
-              <a:ext uri="{FF2B5EF4-FFF2-40B4-BE49-F238E27FC236}">
-                <a16:creationId xmlns:a16="http://schemas.microsoft.com/office/drawing/2014/main" id="{51E4E15B-9AE1-86DE-5792-E942AD0298CF}"/>
-              </a:ext>
-            </a:extLst>
-          </p:cNvPr>
+          <p:cNvPr id="2" name="Title 1"/>
           <p:cNvSpPr>
             <a:spLocks noGrp="1"/>
           </p:cNvSpPr>
@@ -6998,22 +6343,15 @@
           <a:lstStyle/>
           <a:p>
             <a:r>
-              <a:rPr lang="en-US" sz="4800" dirty="0"/>
-              <a:t>Iterative Development Model</a:t>
-            </a:r>
-            <a:endParaRPr lang="en-IN" sz="4800" dirty="0"/>
-          </a:p>
-        </p:txBody>
-      </p:sp>
-      <p:sp>
-        <p:nvSpPr>
-          <p:cNvPr id="3" name="Content Placeholder 2">
-            <a:extLst>
-              <a:ext uri="{FF2B5EF4-FFF2-40B4-BE49-F238E27FC236}">
-                <a16:creationId xmlns:a16="http://schemas.microsoft.com/office/drawing/2014/main" id="{C650B609-F622-2BCA-1F6A-64EB7D72D4B8}"/>
-              </a:ext>
-            </a:extLst>
-          </p:cNvPr>
+              <a:rPr sz="4800" dirty="0"/>
+              <a:t>SDLC Model</a:t>
+            </a:r>
+          </a:p>
+        </p:txBody>
+      </p:sp>
+      <p:sp>
+        <p:nvSpPr>
+          <p:cNvPr id="3" name="Content Placeholder 2"/>
           <p:cNvSpPr>
             <a:spLocks noGrp="1"/>
           </p:cNvSpPr>
@@ -7029,37 +6367,47 @@
           <a:lstStyle/>
           <a:p>
             <a:r>
-              <a:rPr lang="en-US" sz="2400" dirty="0"/>
-              <a:t>Build core modules first (UI + Routing logic)</a:t>
-            </a:r>
-          </a:p>
-          <a:p>
-            <a:r>
-              <a:rPr lang="en-US" sz="2400" dirty="0"/>
-              <a:t>Test with small datasets</a:t>
-            </a:r>
-          </a:p>
-          <a:p>
-            <a:r>
-              <a:rPr lang="en-US" sz="2400" dirty="0"/>
-              <a:t>Add features incrementally (ML model, Admin tools, etc.)</a:t>
-            </a:r>
-          </a:p>
-          <a:p>
-            <a:r>
-              <a:rPr lang="en-US" sz="2400" dirty="0"/>
-              <a:t>Repeat until all requirements are fulfilled</a:t>
-            </a:r>
-            <a:endParaRPr lang="en-IN" sz="2400" dirty="0"/>
+              <a:rPr sz="2400" dirty="0"/>
+              <a:t>Iterative Development Model</a:t>
+            </a:r>
+          </a:p>
+          <a:p>
+            <a:pPr lvl="1"/>
+            <a:r>
+              <a:rPr sz="2000" dirty="0"/>
+              <a:t>• Build core modules first (UI + Routing logic)</a:t>
+            </a:r>
+          </a:p>
+          <a:p>
+            <a:pPr lvl="1"/>
+            <a:r>
+              <a:rPr sz="2000" dirty="0"/>
+              <a:t>• Test with small datasets and refine</a:t>
+            </a:r>
+          </a:p>
+          <a:p>
+            <a:pPr lvl="1"/>
+            <a:r>
+              <a:rPr sz="2000" dirty="0"/>
+              <a:t>• Add AI/ML, Admin tools incrementally</a:t>
+            </a:r>
+          </a:p>
+          <a:p>
+            <a:r>
+              <a:rPr sz="2400" dirty="0"/>
+              <a:t>Why Iterative?</a:t>
+            </a:r>
+          </a:p>
+          <a:p>
+            <a:pPr lvl="1"/>
+            <a:r>
+              <a:rPr sz="2000" dirty="0"/>
+              <a:t>• Adaptable to change, early prototypes, suits small teams and tight deadlines</a:t>
+            </a:r>
           </a:p>
         </p:txBody>
       </p:sp>
     </p:spTree>
-    <p:extLst>
-      <p:ext uri="{BB962C8B-B14F-4D97-AF65-F5344CB8AC3E}">
-        <p14:creationId xmlns:p14="http://schemas.microsoft.com/office/powerpoint/2010/main" val="2961784726"/>
-      </p:ext>
-    </p:extLst>
   </p:cSld>
   <p:clrMapOvr>
     <a:masterClrMapping/>
@@ -7086,13 +6434,7 @@
       </p:grpSpPr>
       <p:sp>
         <p:nvSpPr>
-          <p:cNvPr id="2" name="Title 1">
-            <a:extLst>
-              <a:ext uri="{FF2B5EF4-FFF2-40B4-BE49-F238E27FC236}">
-                <a16:creationId xmlns:a16="http://schemas.microsoft.com/office/drawing/2014/main" id="{FBA30128-522F-BBD4-80E1-A5E5F43283E9}"/>
-              </a:ext>
-            </a:extLst>
-          </p:cNvPr>
+          <p:cNvPr id="2" name="Title 1"/>
           <p:cNvSpPr>
             <a:spLocks noGrp="1"/>
           </p:cNvSpPr>
@@ -7108,22 +6450,15 @@
           <a:lstStyle/>
           <a:p>
             <a:r>
-              <a:rPr lang="en-US" sz="4400" dirty="0"/>
-              <a:t>Why iterative?</a:t>
-            </a:r>
-            <a:endParaRPr lang="en-IN" sz="4400" dirty="0"/>
-          </a:p>
-        </p:txBody>
-      </p:sp>
-      <p:sp>
-        <p:nvSpPr>
-          <p:cNvPr id="3" name="Content Placeholder 2">
-            <a:extLst>
-              <a:ext uri="{FF2B5EF4-FFF2-40B4-BE49-F238E27FC236}">
-                <a16:creationId xmlns:a16="http://schemas.microsoft.com/office/drawing/2014/main" id="{89F2129E-4227-16EA-1C2C-44DE578AC5CA}"/>
-              </a:ext>
-            </a:extLst>
-          </p:cNvPr>
+              <a:rPr sz="4400" dirty="0"/>
+              <a:t>AI Ethics</a:t>
+            </a:r>
+          </a:p>
+        </p:txBody>
+      </p:sp>
+      <p:sp>
+        <p:nvSpPr>
+          <p:cNvPr id="3" name="Content Placeholder 2"/>
           <p:cNvSpPr>
             <a:spLocks noGrp="1"/>
           </p:cNvSpPr>
@@ -7131,7 +6466,12 @@
             <p:ph idx="1"/>
           </p:nvPr>
         </p:nvSpPr>
-        <p:spPr/>
+        <p:spPr>
+          <a:xfrm>
+            <a:off x="677333" y="2160589"/>
+            <a:ext cx="9948625" cy="3880773"/>
+          </a:xfrm>
+        </p:spPr>
         <p:txBody>
           <a:bodyPr>
             <a:normAutofit/>
@@ -7139,31 +6479,41 @@
           <a:lstStyle/>
           <a:p>
             <a:r>
-              <a:rPr lang="en-US" sz="2400" dirty="0"/>
-              <a:t>Easy to adapt changes</a:t>
-            </a:r>
-          </a:p>
-          <a:p>
-            <a:r>
-              <a:rPr lang="en-US" sz="2400" dirty="0"/>
-              <a:t>Early prototype visualization</a:t>
-            </a:r>
-          </a:p>
-          <a:p>
-            <a:r>
-              <a:rPr lang="en-US" sz="2400" dirty="0"/>
-              <a:t>Suitable for small team and time-constrained project</a:t>
-            </a:r>
-            <a:endParaRPr lang="en-IN" sz="2400" dirty="0"/>
+              <a:rPr sz="2000" dirty="0"/>
+              <a:t>Privacy: Anonymize user data; avoid storing personal trip traces.</a:t>
+            </a:r>
+            <a:endParaRPr lang="en-US" sz="2000" dirty="0"/>
+          </a:p>
+          <a:p>
+            <a:r>
+              <a:rPr sz="2000" dirty="0"/>
+              <a:t>Fairness: Ensure model does not bias certain areas or users.</a:t>
+            </a:r>
+            <a:endParaRPr lang="en-US" sz="2000" dirty="0"/>
+          </a:p>
+          <a:p>
+            <a:r>
+              <a:rPr sz="2000" dirty="0"/>
+              <a:t>Transparency: Explain booking rejections and speed recommendations.</a:t>
+            </a:r>
+            <a:endParaRPr lang="en-US" sz="2000" dirty="0"/>
+          </a:p>
+          <a:p>
+            <a:r>
+              <a:rPr sz="2000" dirty="0"/>
+              <a:t>Safety: Validate recommended speeds against road limits and safety constraints.</a:t>
+            </a:r>
+            <a:endParaRPr lang="en-US" sz="2000" dirty="0"/>
+          </a:p>
+          <a:p>
+            <a:r>
+              <a:rPr sz="2000" dirty="0"/>
+              <a:t>Consent &amp; Data Minimization: Collect only necessary data and obtain consent.</a:t>
+            </a:r>
           </a:p>
         </p:txBody>
       </p:sp>
     </p:spTree>
-    <p:extLst>
-      <p:ext uri="{BB962C8B-B14F-4D97-AF65-F5344CB8AC3E}">
-        <p14:creationId xmlns:p14="http://schemas.microsoft.com/office/powerpoint/2010/main" val="1559427504"/>
-      </p:ext>
-    </p:extLst>
   </p:cSld>
   <p:clrMapOvr>
     <a:masterClrMapping/>
@@ -7190,13 +6540,7 @@
       </p:grpSpPr>
       <p:sp>
         <p:nvSpPr>
-          <p:cNvPr id="2" name="Title 1">
-            <a:extLst>
-              <a:ext uri="{FF2B5EF4-FFF2-40B4-BE49-F238E27FC236}">
-                <a16:creationId xmlns:a16="http://schemas.microsoft.com/office/drawing/2014/main" id="{1ADB4E37-F826-9918-A6AB-B65182823721}"/>
-              </a:ext>
-            </a:extLst>
-          </p:cNvPr>
+          <p:cNvPr id="2" name="Title 1"/>
           <p:cNvSpPr>
             <a:spLocks noGrp="1"/>
           </p:cNvSpPr>
@@ -7212,22 +6556,15 @@
           <a:lstStyle/>
           <a:p>
             <a:r>
-              <a:rPr lang="en-US" sz="4400" dirty="0"/>
-              <a:t>Tech Stack</a:t>
-            </a:r>
-            <a:endParaRPr lang="en-IN" sz="4400" dirty="0"/>
-          </a:p>
-        </p:txBody>
-      </p:sp>
-      <p:sp>
-        <p:nvSpPr>
-          <p:cNvPr id="3" name="Content Placeholder 2">
-            <a:extLst>
-              <a:ext uri="{FF2B5EF4-FFF2-40B4-BE49-F238E27FC236}">
-                <a16:creationId xmlns:a16="http://schemas.microsoft.com/office/drawing/2014/main" id="{C6F9A690-D068-E588-4D10-0B9883589FA9}"/>
-              </a:ext>
-            </a:extLst>
-          </p:cNvPr>
+              <a:rPr sz="4400" dirty="0"/>
+              <a:t>Cost Efficiency</a:t>
+            </a:r>
+          </a:p>
+        </p:txBody>
+      </p:sp>
+      <p:sp>
+        <p:nvSpPr>
+          <p:cNvPr id="3" name="Content Placeholder 2"/>
           <p:cNvSpPr>
             <a:spLocks noGrp="1"/>
           </p:cNvSpPr>
@@ -7243,37 +6580,49 @@
           <a:lstStyle/>
           <a:p>
             <a:r>
-              <a:rPr lang="en-US" sz="2400" dirty="0"/>
-              <a:t>Frontend : ReactJS</a:t>
-            </a:r>
-          </a:p>
-          <a:p>
-            <a:r>
-              <a:rPr lang="en-US" sz="2400" dirty="0"/>
-              <a:t>Backend : NodeJS</a:t>
-            </a:r>
-          </a:p>
-          <a:p>
-            <a:r>
-              <a:rPr lang="en-US" sz="2400" dirty="0"/>
-              <a:t>AI/ML : Python</a:t>
-            </a:r>
-          </a:p>
-          <a:p>
-            <a:r>
-              <a:rPr lang="en-US" sz="2400" dirty="0"/>
-              <a:t>Database : MongoDB</a:t>
-            </a:r>
-            <a:endParaRPr lang="en-IN" sz="2400" dirty="0"/>
+              <a:rPr sz="2000" dirty="0"/>
+              <a:t>Use cloud free tiers: MongoDB Atlas free tier, </a:t>
+            </a:r>
+            <a:r>
+              <a:rPr sz="2000" dirty="0" err="1"/>
+              <a:t>Vercel</a:t>
+            </a:r>
+            <a:r>
+              <a:rPr sz="2000" dirty="0"/>
+              <a:t>/Netlify for frontend.</a:t>
+            </a:r>
+            <a:endParaRPr lang="en-US" sz="2000" dirty="0"/>
+          </a:p>
+          <a:p>
+            <a:r>
+              <a:rPr sz="2000" dirty="0"/>
+              <a:t>Lightweight ML models (scikit-learn) and batch predictions to reduce compute.</a:t>
+            </a:r>
+            <a:endParaRPr lang="en-US" sz="2000" dirty="0"/>
+          </a:p>
+          <a:p>
+            <a:r>
+              <a:rPr sz="2000" dirty="0"/>
+              <a:t>Cache frequent route calculations and reuse Dijkstra results where possible.</a:t>
+            </a:r>
+            <a:endParaRPr lang="en-US" sz="2000" dirty="0"/>
+          </a:p>
+          <a:p>
+            <a:r>
+              <a:rPr sz="2000" dirty="0"/>
+              <a:t>Simulate traffic during development to avoid costly real-world testing.</a:t>
+            </a:r>
+            <a:endParaRPr lang="en-US" sz="2000" dirty="0"/>
+          </a:p>
+          <a:p>
+            <a:r>
+              <a:rPr sz="2000" dirty="0"/>
+              <a:t>Complexity awareness: Dijkstra O(E + V log V) — optimize graph representation.</a:t>
+            </a:r>
           </a:p>
         </p:txBody>
       </p:sp>
     </p:spTree>
-    <p:extLst>
-      <p:ext uri="{BB962C8B-B14F-4D97-AF65-F5344CB8AC3E}">
-        <p14:creationId xmlns:p14="http://schemas.microsoft.com/office/powerpoint/2010/main" val="438826254"/>
-      </p:ext>
-    </p:extLst>
   </p:cSld>
   <p:clrMapOvr>
     <a:masterClrMapping/>
